--- a/Brouillon/ui.pptx
+++ b/Brouillon/ui.pptx
@@ -261,7 +261,7 @@
           <a:p>
             <a:fld id="{1891BF94-6306-4774-815C-70554A78915E}" type="datetimeFigureOut">
               <a:rPr lang="de-DE" smtClean="0"/>
-              <a:t>27.03.2022</a:t>
+              <a:t>05.04.2022</a:t>
             </a:fld>
             <a:endParaRPr lang="de-DE"/>
           </a:p>
@@ -461,7 +461,7 @@
           <a:p>
             <a:fld id="{1891BF94-6306-4774-815C-70554A78915E}" type="datetimeFigureOut">
               <a:rPr lang="de-DE" smtClean="0"/>
-              <a:t>27.03.2022</a:t>
+              <a:t>05.04.2022</a:t>
             </a:fld>
             <a:endParaRPr lang="de-DE"/>
           </a:p>
@@ -671,7 +671,7 @@
           <a:p>
             <a:fld id="{1891BF94-6306-4774-815C-70554A78915E}" type="datetimeFigureOut">
               <a:rPr lang="de-DE" smtClean="0"/>
-              <a:t>27.03.2022</a:t>
+              <a:t>05.04.2022</a:t>
             </a:fld>
             <a:endParaRPr lang="de-DE"/>
           </a:p>
@@ -871,7 +871,7 @@
           <a:p>
             <a:fld id="{1891BF94-6306-4774-815C-70554A78915E}" type="datetimeFigureOut">
               <a:rPr lang="de-DE" smtClean="0"/>
-              <a:t>27.03.2022</a:t>
+              <a:t>05.04.2022</a:t>
             </a:fld>
             <a:endParaRPr lang="de-DE"/>
           </a:p>
@@ -1147,7 +1147,7 @@
           <a:p>
             <a:fld id="{1891BF94-6306-4774-815C-70554A78915E}" type="datetimeFigureOut">
               <a:rPr lang="de-DE" smtClean="0"/>
-              <a:t>27.03.2022</a:t>
+              <a:t>05.04.2022</a:t>
             </a:fld>
             <a:endParaRPr lang="de-DE"/>
           </a:p>
@@ -1415,7 +1415,7 @@
           <a:p>
             <a:fld id="{1891BF94-6306-4774-815C-70554A78915E}" type="datetimeFigureOut">
               <a:rPr lang="de-DE" smtClean="0"/>
-              <a:t>27.03.2022</a:t>
+              <a:t>05.04.2022</a:t>
             </a:fld>
             <a:endParaRPr lang="de-DE"/>
           </a:p>
@@ -1830,7 +1830,7 @@
           <a:p>
             <a:fld id="{1891BF94-6306-4774-815C-70554A78915E}" type="datetimeFigureOut">
               <a:rPr lang="de-DE" smtClean="0"/>
-              <a:t>27.03.2022</a:t>
+              <a:t>05.04.2022</a:t>
             </a:fld>
             <a:endParaRPr lang="de-DE"/>
           </a:p>
@@ -1972,7 +1972,7 @@
           <a:p>
             <a:fld id="{1891BF94-6306-4774-815C-70554A78915E}" type="datetimeFigureOut">
               <a:rPr lang="de-DE" smtClean="0"/>
-              <a:t>27.03.2022</a:t>
+              <a:t>05.04.2022</a:t>
             </a:fld>
             <a:endParaRPr lang="de-DE"/>
           </a:p>
@@ -2085,7 +2085,7 @@
           <a:p>
             <a:fld id="{1891BF94-6306-4774-815C-70554A78915E}" type="datetimeFigureOut">
               <a:rPr lang="de-DE" smtClean="0"/>
-              <a:t>27.03.2022</a:t>
+              <a:t>05.04.2022</a:t>
             </a:fld>
             <a:endParaRPr lang="de-DE"/>
           </a:p>
@@ -2398,7 +2398,7 @@
           <a:p>
             <a:fld id="{1891BF94-6306-4774-815C-70554A78915E}" type="datetimeFigureOut">
               <a:rPr lang="de-DE" smtClean="0"/>
-              <a:t>27.03.2022</a:t>
+              <a:t>05.04.2022</a:t>
             </a:fld>
             <a:endParaRPr lang="de-DE"/>
           </a:p>
@@ -2687,7 +2687,7 @@
           <a:p>
             <a:fld id="{1891BF94-6306-4774-815C-70554A78915E}" type="datetimeFigureOut">
               <a:rPr lang="de-DE" smtClean="0"/>
-              <a:t>27.03.2022</a:t>
+              <a:t>05.04.2022</a:t>
             </a:fld>
             <a:endParaRPr lang="de-DE"/>
           </a:p>
@@ -2930,7 +2930,7 @@
           <a:p>
             <a:fld id="{1891BF94-6306-4774-815C-70554A78915E}" type="datetimeFigureOut">
               <a:rPr lang="de-DE" smtClean="0"/>
-              <a:t>27.03.2022</a:t>
+              <a:t>05.04.2022</a:t>
             </a:fld>
             <a:endParaRPr lang="de-DE"/>
           </a:p>
@@ -3855,317 +3855,6 @@
           </a:ln>
         </p:spPr>
       </p:pic>
-      <p:grpSp>
-        <p:nvGrpSpPr>
-          <p:cNvPr id="2" name="Groupe 1">
-            <a:extLst>
-              <a:ext uri="{FF2B5EF4-FFF2-40B4-BE49-F238E27FC236}">
-                <a16:creationId xmlns:a16="http://schemas.microsoft.com/office/drawing/2014/main" id="{090FD0DC-C147-4111-A7FC-FA461F2C5568}"/>
-              </a:ext>
-            </a:extLst>
-          </p:cNvPr>
-          <p:cNvGrpSpPr/>
-          <p:nvPr/>
-        </p:nvGrpSpPr>
-        <p:grpSpPr>
-          <a:xfrm>
-            <a:off x="-1829161" y="-728831"/>
-            <a:ext cx="1968200" cy="3637761"/>
-            <a:chOff x="378681" y="2762753"/>
-            <a:chExt cx="1968200" cy="3637761"/>
-          </a:xfrm>
-        </p:grpSpPr>
-        <p:grpSp>
-          <p:nvGrpSpPr>
-            <p:cNvPr id="115" name="Groupe 114">
-              <a:extLst>
-                <a:ext uri="{FF2B5EF4-FFF2-40B4-BE49-F238E27FC236}">
-                  <a16:creationId xmlns:a16="http://schemas.microsoft.com/office/drawing/2014/main" id="{6AA1B9AF-8423-4328-961B-865C9DE768C4}"/>
-                </a:ext>
-              </a:extLst>
-            </p:cNvPr>
-            <p:cNvGrpSpPr/>
-            <p:nvPr/>
-          </p:nvGrpSpPr>
-          <p:grpSpPr>
-            <a:xfrm>
-              <a:off x="453783" y="2834270"/>
-              <a:ext cx="1818000" cy="3495218"/>
-              <a:chOff x="2459690" y="2878650"/>
-              <a:chExt cx="9001905" cy="1260000"/>
-            </a:xfrm>
-          </p:grpSpPr>
-          <p:sp>
-            <p:nvSpPr>
-              <p:cNvPr id="109" name="Rectangle 108">
-                <a:extLst>
-                  <a:ext uri="{FF2B5EF4-FFF2-40B4-BE49-F238E27FC236}">
-                    <a16:creationId xmlns:a16="http://schemas.microsoft.com/office/drawing/2014/main" id="{86109579-0BFB-4464-B97B-49D8BE13F854}"/>
-                  </a:ext>
-                </a:extLst>
-              </p:cNvPr>
-              <p:cNvSpPr/>
-              <p:nvPr/>
-            </p:nvSpPr>
-            <p:spPr>
-              <a:xfrm>
-                <a:off x="2460640" y="2878650"/>
-                <a:ext cx="8999999" cy="1260000"/>
-              </a:xfrm>
-              <a:prstGeom prst="rect">
-                <a:avLst/>
-              </a:prstGeom>
-              <a:blipFill dpi="0" rotWithShape="1">
-                <a:blip r:embed="rId14"/>
-                <a:srcRect/>
-                <a:tile tx="0" ty="0" sx="100000" sy="100000" flip="none" algn="tl"/>
-              </a:blipFill>
-              <a:ln>
-                <a:noFill/>
-              </a:ln>
-            </p:spPr>
-            <p:style>
-              <a:lnRef idx="2">
-                <a:schemeClr val="accent1">
-                  <a:shade val="50000"/>
-                </a:schemeClr>
-              </a:lnRef>
-              <a:fillRef idx="1">
-                <a:schemeClr val="accent1"/>
-              </a:fillRef>
-              <a:effectRef idx="0">
-                <a:schemeClr val="accent1"/>
-              </a:effectRef>
-              <a:fontRef idx="minor">
-                <a:schemeClr val="lt1"/>
-              </a:fontRef>
-            </p:style>
-            <p:txBody>
-              <a:bodyPr rtlCol="0" anchor="ctr"/>
-              <a:lstStyle/>
-              <a:p>
-                <a:pPr algn="ctr"/>
-                <a:endParaRPr lang="de-DE"/>
-              </a:p>
-            </p:txBody>
-          </p:sp>
-          <p:sp>
-            <p:nvSpPr>
-              <p:cNvPr id="113" name="Rectangle 112">
-                <a:extLst>
-                  <a:ext uri="{FF2B5EF4-FFF2-40B4-BE49-F238E27FC236}">
-                    <a16:creationId xmlns:a16="http://schemas.microsoft.com/office/drawing/2014/main" id="{8612FDE8-FEFA-4A36-9245-6179B935D390}"/>
-                  </a:ext>
-                </a:extLst>
-              </p:cNvPr>
-              <p:cNvSpPr/>
-              <p:nvPr/>
-            </p:nvSpPr>
-            <p:spPr>
-              <a:xfrm>
-                <a:off x="2459690" y="2878650"/>
-                <a:ext cx="9001905" cy="1260000"/>
-              </a:xfrm>
-              <a:prstGeom prst="rect">
-                <a:avLst/>
-              </a:prstGeom>
-              <a:gradFill flip="none" rotWithShape="1">
-                <a:gsLst>
-                  <a:gs pos="60000">
-                    <a:srgbClr val="000000">
-                      <a:alpha val="5000"/>
-                    </a:srgbClr>
-                  </a:gs>
-                  <a:gs pos="40000">
-                    <a:srgbClr val="000000">
-                      <a:alpha val="5000"/>
-                    </a:srgbClr>
-                  </a:gs>
-                  <a:gs pos="0">
-                    <a:schemeClr val="tx1">
-                      <a:alpha val="20000"/>
-                    </a:schemeClr>
-                  </a:gs>
-                  <a:gs pos="100000">
-                    <a:schemeClr val="tx1">
-                      <a:alpha val="20000"/>
-                    </a:schemeClr>
-                  </a:gs>
-                </a:gsLst>
-                <a:lin ang="0" scaled="1"/>
-                <a:tileRect/>
-              </a:gradFill>
-              <a:ln>
-                <a:noFill/>
-              </a:ln>
-            </p:spPr>
-            <p:style>
-              <a:lnRef idx="2">
-                <a:schemeClr val="accent1">
-                  <a:shade val="50000"/>
-                </a:schemeClr>
-              </a:lnRef>
-              <a:fillRef idx="1">
-                <a:schemeClr val="accent1"/>
-              </a:fillRef>
-              <a:effectRef idx="0">
-                <a:schemeClr val="accent1"/>
-              </a:effectRef>
-              <a:fontRef idx="minor">
-                <a:schemeClr val="lt1"/>
-              </a:fontRef>
-            </p:style>
-            <p:txBody>
-              <a:bodyPr rtlCol="0" anchor="ctr"/>
-              <a:lstStyle/>
-              <a:p>
-                <a:pPr algn="ctr"/>
-                <a:endParaRPr lang="de-DE"/>
-              </a:p>
-            </p:txBody>
-          </p:sp>
-        </p:grpSp>
-        <p:pic>
-          <p:nvPicPr>
-            <p:cNvPr id="21" name="Image 20">
-              <a:extLst>
-                <a:ext uri="{FF2B5EF4-FFF2-40B4-BE49-F238E27FC236}">
-                  <a16:creationId xmlns:a16="http://schemas.microsoft.com/office/drawing/2014/main" id="{EB88637C-D448-4009-BF71-B2EFE20ABD43}"/>
-                </a:ext>
-              </a:extLst>
-            </p:cNvPr>
-            <p:cNvPicPr>
-              <a:picLocks noChangeAspect="1"/>
-            </p:cNvPicPr>
-            <p:nvPr/>
-          </p:nvPicPr>
-          <p:blipFill rotWithShape="1">
-            <a:blip r:embed="rId15">
-              <a:extLst>
-                <a:ext uri="{28A0092B-C50C-407E-A947-70E740481C1C}">
-                  <a14:useLocalDpi xmlns:a14="http://schemas.microsoft.com/office/drawing/2010/main" val="0"/>
-                </a:ext>
-              </a:extLst>
-            </a:blip>
-            <a:srcRect l="99753" t="6099" b="6"/>
-            <a:stretch/>
-          </p:blipFill>
-          <p:spPr>
-            <a:xfrm>
-              <a:off x="378681" y="2762753"/>
-              <a:ext cx="75291" cy="3601851"/>
-            </a:xfrm>
-            <a:prstGeom prst="rect">
-              <a:avLst/>
-            </a:prstGeom>
-          </p:spPr>
-        </p:pic>
-        <p:pic>
-          <p:nvPicPr>
-            <p:cNvPr id="23" name="Image 22">
-              <a:extLst>
-                <a:ext uri="{FF2B5EF4-FFF2-40B4-BE49-F238E27FC236}">
-                  <a16:creationId xmlns:a16="http://schemas.microsoft.com/office/drawing/2014/main" id="{CE7FBA95-6E56-43FA-8ABF-066B3D59209A}"/>
-                </a:ext>
-              </a:extLst>
-            </p:cNvPr>
-            <p:cNvPicPr preferRelativeResize="0">
-              <a:picLocks/>
-            </p:cNvPicPr>
-            <p:nvPr/>
-          </p:nvPicPr>
-          <p:blipFill rotWithShape="1">
-            <a:blip r:embed="rId15">
-              <a:extLst>
-                <a:ext uri="{28A0092B-C50C-407E-A947-70E740481C1C}">
-                  <a14:useLocalDpi xmlns:a14="http://schemas.microsoft.com/office/drawing/2010/main" val="0"/>
-                </a:ext>
-              </a:extLst>
-            </a:blip>
-            <a:srcRect l="99753" t="6099" b="6"/>
-            <a:stretch/>
-          </p:blipFill>
-          <p:spPr>
-            <a:xfrm rot="16200000">
-              <a:off x="1328816" y="1816205"/>
-              <a:ext cx="71026" cy="1965103"/>
-            </a:xfrm>
-            <a:prstGeom prst="rect">
-              <a:avLst/>
-            </a:prstGeom>
-          </p:spPr>
-        </p:pic>
-        <p:pic>
-          <p:nvPicPr>
-            <p:cNvPr id="25" name="Image 24">
-              <a:extLst>
-                <a:ext uri="{FF2B5EF4-FFF2-40B4-BE49-F238E27FC236}">
-                  <a16:creationId xmlns:a16="http://schemas.microsoft.com/office/drawing/2014/main" id="{9373097D-3DEA-4748-95CC-A04EFBF9416C}"/>
-                </a:ext>
-              </a:extLst>
-            </p:cNvPr>
-            <p:cNvPicPr preferRelativeResize="0">
-              <a:picLocks/>
-            </p:cNvPicPr>
-            <p:nvPr/>
-          </p:nvPicPr>
-          <p:blipFill rotWithShape="1">
-            <a:blip r:embed="rId15">
-              <a:extLst>
-                <a:ext uri="{28A0092B-C50C-407E-A947-70E740481C1C}">
-                  <a14:useLocalDpi xmlns:a14="http://schemas.microsoft.com/office/drawing/2010/main" val="0"/>
-                </a:ext>
-              </a:extLst>
-            </a:blip>
-            <a:srcRect l="99753" t="6099" b="6"/>
-            <a:stretch/>
-          </p:blipFill>
-          <p:spPr>
-            <a:xfrm rot="5400000">
-              <a:off x="1327268" y="5380901"/>
-              <a:ext cx="71026" cy="1968200"/>
-            </a:xfrm>
-            <a:prstGeom prst="rect">
-              <a:avLst/>
-            </a:prstGeom>
-          </p:spPr>
-        </p:pic>
-        <p:pic>
-          <p:nvPicPr>
-            <p:cNvPr id="26" name="Image 25">
-              <a:extLst>
-                <a:ext uri="{FF2B5EF4-FFF2-40B4-BE49-F238E27FC236}">
-                  <a16:creationId xmlns:a16="http://schemas.microsoft.com/office/drawing/2014/main" id="{882FA26A-EE23-493B-88E8-34E5687B8093}"/>
-                </a:ext>
-              </a:extLst>
-            </p:cNvPr>
-            <p:cNvPicPr>
-              <a:picLocks noChangeAspect="1"/>
-            </p:cNvPicPr>
-            <p:nvPr/>
-          </p:nvPicPr>
-          <p:blipFill rotWithShape="1">
-            <a:blip r:embed="rId15">
-              <a:extLst>
-                <a:ext uri="{28A0092B-C50C-407E-A947-70E740481C1C}">
-                  <a14:useLocalDpi xmlns:a14="http://schemas.microsoft.com/office/drawing/2010/main" val="0"/>
-                </a:ext>
-              </a:extLst>
-            </a:blip>
-            <a:srcRect l="99753" t="6099" b="6"/>
-            <a:stretch/>
-          </p:blipFill>
-          <p:spPr>
-            <a:xfrm rot="10800000">
-              <a:off x="2271590" y="2800350"/>
-              <a:ext cx="75291" cy="3549015"/>
-            </a:xfrm>
-            <a:prstGeom prst="rect">
-              <a:avLst/>
-            </a:prstGeom>
-          </p:spPr>
-        </p:pic>
-      </p:grpSp>
       <p:pic>
         <p:nvPicPr>
           <p:cNvPr id="4" name="Image 3">
@@ -4181,7 +3870,7 @@
           <p:nvPr/>
         </p:nvPicPr>
         <p:blipFill>
-          <a:blip r:embed="rId16">
+          <a:blip r:embed="rId14">
             <a:extLst>
               <a:ext uri="{28A0092B-C50C-407E-A947-70E740481C1C}">
                 <a14:useLocalDpi xmlns:a14="http://schemas.microsoft.com/office/drawing/2010/main" val="0"/>
@@ -4227,7 +3916,7 @@
           <p:nvPr/>
         </p:nvPicPr>
         <p:blipFill>
-          <a:blip r:embed="rId17">
+          <a:blip r:embed="rId15">
             <a:extLst>
               <a:ext uri="{28A0092B-C50C-407E-A947-70E740481C1C}">
                 <a14:useLocalDpi xmlns:a14="http://schemas.microsoft.com/office/drawing/2010/main" val="0"/>
@@ -4273,7 +3962,7 @@
           <p:nvPr/>
         </p:nvPicPr>
         <p:blipFill>
-          <a:blip r:embed="rId18">
+          <a:blip r:embed="rId16">
             <a:extLst>
               <a:ext uri="{28A0092B-C50C-407E-A947-70E740481C1C}">
                 <a14:useLocalDpi xmlns:a14="http://schemas.microsoft.com/office/drawing/2010/main" val="0"/>
@@ -4319,7 +4008,7 @@
           <p:nvPr/>
         </p:nvPicPr>
         <p:blipFill>
-          <a:blip r:embed="rId19">
+          <a:blip r:embed="rId17">
             <a:extLst>
               <a:ext uri="{28A0092B-C50C-407E-A947-70E740481C1C}">
                 <a14:useLocalDpi xmlns:a14="http://schemas.microsoft.com/office/drawing/2010/main" val="0"/>
@@ -4365,7 +4054,7 @@
           <p:nvPr/>
         </p:nvPicPr>
         <p:blipFill>
-          <a:blip r:embed="rId20">
+          <a:blip r:embed="rId18">
             <a:extLst>
               <a:ext uri="{28A0092B-C50C-407E-A947-70E740481C1C}">
                 <a14:useLocalDpi xmlns:a14="http://schemas.microsoft.com/office/drawing/2010/main" val="0"/>
@@ -4411,7 +4100,7 @@
           <p:nvPr/>
         </p:nvPicPr>
         <p:blipFill>
-          <a:blip r:embed="rId21">
+          <a:blip r:embed="rId19">
             <a:extLst>
               <a:ext uri="{28A0092B-C50C-407E-A947-70E740481C1C}">
                 <a14:useLocalDpi xmlns:a14="http://schemas.microsoft.com/office/drawing/2010/main" val="0"/>
@@ -4457,7 +4146,7 @@
           <p:nvPr/>
         </p:nvPicPr>
         <p:blipFill>
-          <a:blip r:embed="rId22">
+          <a:blip r:embed="rId20">
             <a:extLst>
               <a:ext uri="{28A0092B-C50C-407E-A947-70E740481C1C}">
                 <a14:useLocalDpi xmlns:a14="http://schemas.microsoft.com/office/drawing/2010/main" val="0"/>
@@ -4503,7 +4192,7 @@
           <p:nvPr/>
         </p:nvPicPr>
         <p:blipFill>
-          <a:blip r:embed="rId23">
+          <a:blip r:embed="rId21">
             <a:extLst>
               <a:ext uri="{28A0092B-C50C-407E-A947-70E740481C1C}">
                 <a14:useLocalDpi xmlns:a14="http://schemas.microsoft.com/office/drawing/2010/main" val="0"/>
@@ -4549,7 +4238,7 @@
           <p:nvPr/>
         </p:nvPicPr>
         <p:blipFill>
-          <a:blip r:embed="rId24">
+          <a:blip r:embed="rId22">
             <a:extLst>
               <a:ext uri="{28A0092B-C50C-407E-A947-70E740481C1C}">
                 <a14:useLocalDpi xmlns:a14="http://schemas.microsoft.com/office/drawing/2010/main" val="0"/>
@@ -4595,7 +4284,7 @@
           <p:nvPr/>
         </p:nvPicPr>
         <p:blipFill>
-          <a:blip r:embed="rId25">
+          <a:blip r:embed="rId23">
             <a:extLst>
               <a:ext uri="{28A0092B-C50C-407E-A947-70E740481C1C}">
                 <a14:useLocalDpi xmlns:a14="http://schemas.microsoft.com/office/drawing/2010/main" val="0"/>
@@ -4641,7 +4330,7 @@
           <p:nvPr/>
         </p:nvPicPr>
         <p:blipFill>
-          <a:blip r:embed="rId26">
+          <a:blip r:embed="rId24">
             <a:extLst>
               <a:ext uri="{28A0092B-C50C-407E-A947-70E740481C1C}">
                 <a14:useLocalDpi xmlns:a14="http://schemas.microsoft.com/office/drawing/2010/main" val="0"/>
@@ -4687,7 +4376,7 @@
           <p:nvPr/>
         </p:nvPicPr>
         <p:blipFill>
-          <a:blip r:embed="rId27">
+          <a:blip r:embed="rId25">
             <a:extLst>
               <a:ext uri="{28A0092B-C50C-407E-A947-70E740481C1C}">
                 <a14:useLocalDpi xmlns:a14="http://schemas.microsoft.com/office/drawing/2010/main" val="0"/>
@@ -4733,7 +4422,7 @@
           <p:nvPr/>
         </p:nvPicPr>
         <p:blipFill>
-          <a:blip r:embed="rId28">
+          <a:blip r:embed="rId26">
             <a:extLst>
               <a:ext uri="{28A0092B-C50C-407E-A947-70E740481C1C}">
                 <a14:useLocalDpi xmlns:a14="http://schemas.microsoft.com/office/drawing/2010/main" val="0"/>
@@ -4746,7 +4435,7 @@
         </p:blipFill>
         <p:spPr>
           <a:xfrm>
-            <a:off x="6329496" y="1764161"/>
+            <a:off x="11796650" y="-464459"/>
             <a:ext cx="864000" cy="864000"/>
           </a:xfrm>
           <a:prstGeom prst="rect">
@@ -4779,7 +4468,7 @@
           <p:nvPr/>
         </p:nvPicPr>
         <p:blipFill>
-          <a:blip r:embed="rId29">
+          <a:blip r:embed="rId27">
             <a:extLst>
               <a:ext uri="{28A0092B-C50C-407E-A947-70E740481C1C}">
                 <a14:useLocalDpi xmlns:a14="http://schemas.microsoft.com/office/drawing/2010/main" val="0"/>
@@ -4825,7 +4514,7 @@
           <p:nvPr/>
         </p:nvPicPr>
         <p:blipFill>
-          <a:blip r:embed="rId30">
+          <a:blip r:embed="rId28">
             <a:extLst>
               <a:ext uri="{28A0092B-C50C-407E-A947-70E740481C1C}">
                 <a14:useLocalDpi xmlns:a14="http://schemas.microsoft.com/office/drawing/2010/main" val="0"/>
@@ -4871,7 +4560,7 @@
           <p:nvPr/>
         </p:nvPicPr>
         <p:blipFill>
-          <a:blip r:embed="rId31">
+          <a:blip r:embed="rId29">
             <a:extLst>
               <a:ext uri="{28A0092B-C50C-407E-A947-70E740481C1C}">
                 <a14:useLocalDpi xmlns:a14="http://schemas.microsoft.com/office/drawing/2010/main" val="0"/>
@@ -4916,7 +4605,7 @@
           <p:nvPr/>
         </p:nvPicPr>
         <p:blipFill>
-          <a:blip r:embed="rId32">
+          <a:blip r:embed="rId30">
             <a:extLst>
               <a:ext uri="{28A0092B-C50C-407E-A947-70E740481C1C}">
                 <a14:useLocalDpi xmlns:a14="http://schemas.microsoft.com/office/drawing/2010/main" val="0"/>
@@ -4929,7 +4618,7 @@
         </p:blipFill>
         <p:spPr>
           <a:xfrm>
-            <a:off x="6761496" y="1708420"/>
+            <a:off x="12228650" y="-520200"/>
             <a:ext cx="864000" cy="864000"/>
           </a:xfrm>
           <a:prstGeom prst="rect">
@@ -4961,7 +4650,7 @@
           <p:nvPr/>
         </p:nvPicPr>
         <p:blipFill>
-          <a:blip r:embed="rId33">
+          <a:blip r:embed="rId31">
             <a:extLst>
               <a:ext uri="{28A0092B-C50C-407E-A947-70E740481C1C}">
                 <a14:useLocalDpi xmlns:a14="http://schemas.microsoft.com/office/drawing/2010/main" val="0"/>
@@ -5006,7 +4695,7 @@
           <p:nvPr/>
         </p:nvPicPr>
         <p:blipFill>
-          <a:blip r:embed="rId34">
+          <a:blip r:embed="rId32">
             <a:extLst>
               <a:ext uri="{28A0092B-C50C-407E-A947-70E740481C1C}">
                 <a14:useLocalDpi xmlns:a14="http://schemas.microsoft.com/office/drawing/2010/main" val="0"/>
@@ -5051,7 +4740,7 @@
           <p:nvPr/>
         </p:nvPicPr>
         <p:blipFill>
-          <a:blip r:embed="rId35">
+          <a:blip r:embed="rId33">
             <a:extLst>
               <a:ext uri="{28A0092B-C50C-407E-A947-70E740481C1C}">
                 <a14:useLocalDpi xmlns:a14="http://schemas.microsoft.com/office/drawing/2010/main" val="0"/>
@@ -5096,7 +4785,7 @@
           <p:nvPr/>
         </p:nvPicPr>
         <p:blipFill>
-          <a:blip r:embed="rId36">
+          <a:blip r:embed="rId34">
             <a:extLst>
               <a:ext uri="{28A0092B-C50C-407E-A947-70E740481C1C}">
                 <a14:useLocalDpi xmlns:a14="http://schemas.microsoft.com/office/drawing/2010/main" val="0"/>
@@ -5141,7 +4830,7 @@
           <p:nvPr/>
         </p:nvPicPr>
         <p:blipFill>
-          <a:blip r:embed="rId37">
+          <a:blip r:embed="rId35">
             <a:extLst>
               <a:ext uri="{28A0092B-C50C-407E-A947-70E740481C1C}">
                 <a14:useLocalDpi xmlns:a14="http://schemas.microsoft.com/office/drawing/2010/main" val="0"/>
@@ -5186,7 +4875,7 @@
           <p:nvPr/>
         </p:nvPicPr>
         <p:blipFill>
-          <a:blip r:embed="rId38">
+          <a:blip r:embed="rId36">
             <a:extLst>
               <a:ext uri="{28A0092B-C50C-407E-A947-70E740481C1C}">
                 <a14:useLocalDpi xmlns:a14="http://schemas.microsoft.com/office/drawing/2010/main" val="0"/>
@@ -5231,7 +4920,7 @@
           <p:nvPr/>
         </p:nvPicPr>
         <p:blipFill>
-          <a:blip r:embed="rId39">
+          <a:blip r:embed="rId37">
             <a:extLst>
               <a:ext uri="{28A0092B-C50C-407E-A947-70E740481C1C}">
                 <a14:useLocalDpi xmlns:a14="http://schemas.microsoft.com/office/drawing/2010/main" val="0"/>
@@ -5276,7 +4965,7 @@
           <p:nvPr/>
         </p:nvPicPr>
         <p:blipFill>
-          <a:blip r:embed="rId40">
+          <a:blip r:embed="rId38">
             <a:extLst>
               <a:ext uri="{28A0092B-C50C-407E-A947-70E740481C1C}">
                 <a14:useLocalDpi xmlns:a14="http://schemas.microsoft.com/office/drawing/2010/main" val="0"/>
@@ -5321,7 +5010,7 @@
           <p:nvPr/>
         </p:nvPicPr>
         <p:blipFill>
-          <a:blip r:embed="rId41">
+          <a:blip r:embed="rId39">
             <a:extLst>
               <a:ext uri="{28A0092B-C50C-407E-A947-70E740481C1C}">
                 <a14:useLocalDpi xmlns:a14="http://schemas.microsoft.com/office/drawing/2010/main" val="0"/>
@@ -5366,7 +5055,7 @@
           <p:nvPr/>
         </p:nvPicPr>
         <p:blipFill>
-          <a:blip r:embed="rId42">
+          <a:blip r:embed="rId40">
             <a:extLst>
               <a:ext uri="{28A0092B-C50C-407E-A947-70E740481C1C}">
                 <a14:useLocalDpi xmlns:a14="http://schemas.microsoft.com/office/drawing/2010/main" val="0"/>
@@ -5411,7 +5100,7 @@
           <p:nvPr/>
         </p:nvPicPr>
         <p:blipFill>
-          <a:blip r:embed="rId43">
+          <a:blip r:embed="rId41">
             <a:extLst>
               <a:ext uri="{28A0092B-C50C-407E-A947-70E740481C1C}">
                 <a14:useLocalDpi xmlns:a14="http://schemas.microsoft.com/office/drawing/2010/main" val="0"/>
@@ -5456,7 +5145,7 @@
           <p:nvPr/>
         </p:nvPicPr>
         <p:blipFill>
-          <a:blip r:embed="rId44">
+          <a:blip r:embed="rId42">
             <a:extLst>
               <a:ext uri="{28A0092B-C50C-407E-A947-70E740481C1C}">
                 <a14:useLocalDpi xmlns:a14="http://schemas.microsoft.com/office/drawing/2010/main" val="0"/>
@@ -5501,7 +5190,7 @@
           <p:nvPr/>
         </p:nvPicPr>
         <p:blipFill>
-          <a:blip r:embed="rId45">
+          <a:blip r:embed="rId43">
             <a:extLst>
               <a:ext uri="{28A0092B-C50C-407E-A947-70E740481C1C}">
                 <a14:useLocalDpi xmlns:a14="http://schemas.microsoft.com/office/drawing/2010/main" val="0"/>
@@ -5531,6 +5220,566 @@
           </a:ln>
         </p:spPr>
       </p:pic>
+      <p:grpSp>
+        <p:nvGrpSpPr>
+          <p:cNvPr id="13" name="Groupe 12">
+            <a:extLst>
+              <a:ext uri="{FF2B5EF4-FFF2-40B4-BE49-F238E27FC236}">
+                <a16:creationId xmlns:a16="http://schemas.microsoft.com/office/drawing/2014/main" id="{0D02DE7D-FBCB-4B69-9AFD-A7FC4C8D10B2}"/>
+              </a:ext>
+            </a:extLst>
+          </p:cNvPr>
+          <p:cNvGrpSpPr/>
+          <p:nvPr/>
+        </p:nvGrpSpPr>
+        <p:grpSpPr>
+          <a:xfrm>
+            <a:off x="903137" y="628351"/>
+            <a:ext cx="4902446" cy="7058611"/>
+            <a:chOff x="903137" y="628351"/>
+            <a:chExt cx="4902446" cy="7058611"/>
+          </a:xfrm>
+        </p:grpSpPr>
+        <p:sp>
+          <p:nvSpPr>
+            <p:cNvPr id="109" name="Rectangle 108">
+              <a:extLst>
+                <a:ext uri="{FF2B5EF4-FFF2-40B4-BE49-F238E27FC236}">
+                  <a16:creationId xmlns:a16="http://schemas.microsoft.com/office/drawing/2014/main" id="{86109579-0BFB-4464-B97B-49D8BE13F854}"/>
+                </a:ext>
+              </a:extLst>
+            </p:cNvPr>
+            <p:cNvSpPr/>
+            <p:nvPr/>
+          </p:nvSpPr>
+          <p:spPr>
+            <a:xfrm>
+              <a:off x="977495" y="696525"/>
+              <a:ext cx="1817615" cy="3495218"/>
+            </a:xfrm>
+            <a:prstGeom prst="rect">
+              <a:avLst/>
+            </a:prstGeom>
+            <a:blipFill dpi="0" rotWithShape="1">
+              <a:blip r:embed="rId44"/>
+              <a:srcRect/>
+              <a:tile tx="0" ty="0" sx="100000" sy="100000" flip="none" algn="tl"/>
+            </a:blipFill>
+            <a:ln>
+              <a:noFill/>
+            </a:ln>
+          </p:spPr>
+          <p:style>
+            <a:lnRef idx="2">
+              <a:schemeClr val="accent1">
+                <a:shade val="50000"/>
+              </a:schemeClr>
+            </a:lnRef>
+            <a:fillRef idx="1">
+              <a:schemeClr val="accent1"/>
+            </a:fillRef>
+            <a:effectRef idx="0">
+              <a:schemeClr val="accent1"/>
+            </a:effectRef>
+            <a:fontRef idx="minor">
+              <a:schemeClr val="lt1"/>
+            </a:fontRef>
+          </p:style>
+          <p:txBody>
+            <a:bodyPr rtlCol="0" anchor="ctr"/>
+            <a:lstStyle/>
+            <a:p>
+              <a:pPr algn="ctr"/>
+              <a:endParaRPr lang="de-DE"/>
+            </a:p>
+          </p:txBody>
+        </p:sp>
+        <p:sp>
+          <p:nvSpPr>
+            <p:cNvPr id="53" name="Rectangle 52">
+              <a:extLst>
+                <a:ext uri="{FF2B5EF4-FFF2-40B4-BE49-F238E27FC236}">
+                  <a16:creationId xmlns:a16="http://schemas.microsoft.com/office/drawing/2014/main" id="{2B3526BB-7783-4B7C-91E1-621AC41F18EB}"/>
+                </a:ext>
+              </a:extLst>
+            </p:cNvPr>
+            <p:cNvSpPr/>
+            <p:nvPr/>
+          </p:nvSpPr>
+          <p:spPr>
+            <a:xfrm>
+              <a:off x="2792779" y="696525"/>
+              <a:ext cx="1817615" cy="3495218"/>
+            </a:xfrm>
+            <a:prstGeom prst="rect">
+              <a:avLst/>
+            </a:prstGeom>
+            <a:blipFill dpi="0" rotWithShape="1">
+              <a:blip r:embed="rId44"/>
+              <a:srcRect/>
+              <a:tile tx="0" ty="0" sx="100000" sy="100000" flip="none" algn="tl"/>
+            </a:blipFill>
+            <a:ln>
+              <a:noFill/>
+            </a:ln>
+          </p:spPr>
+          <p:style>
+            <a:lnRef idx="2">
+              <a:schemeClr val="accent1">
+                <a:shade val="50000"/>
+              </a:schemeClr>
+            </a:lnRef>
+            <a:fillRef idx="1">
+              <a:schemeClr val="accent1"/>
+            </a:fillRef>
+            <a:effectRef idx="0">
+              <a:schemeClr val="accent1"/>
+            </a:effectRef>
+            <a:fontRef idx="minor">
+              <a:schemeClr val="lt1"/>
+            </a:fontRef>
+          </p:style>
+          <p:txBody>
+            <a:bodyPr rtlCol="0" anchor="ctr"/>
+            <a:lstStyle/>
+            <a:p>
+              <a:pPr algn="ctr"/>
+              <a:endParaRPr lang="de-DE"/>
+            </a:p>
+          </p:txBody>
+        </p:sp>
+        <p:sp>
+          <p:nvSpPr>
+            <p:cNvPr id="55" name="Rectangle 54">
+              <a:extLst>
+                <a:ext uri="{FF2B5EF4-FFF2-40B4-BE49-F238E27FC236}">
+                  <a16:creationId xmlns:a16="http://schemas.microsoft.com/office/drawing/2014/main" id="{764D9937-72CE-4F73-A243-6B50361E7222}"/>
+                </a:ext>
+              </a:extLst>
+            </p:cNvPr>
+            <p:cNvSpPr/>
+            <p:nvPr/>
+          </p:nvSpPr>
+          <p:spPr>
+            <a:xfrm>
+              <a:off x="2792779" y="4191744"/>
+              <a:ext cx="1817615" cy="3495218"/>
+            </a:xfrm>
+            <a:prstGeom prst="rect">
+              <a:avLst/>
+            </a:prstGeom>
+            <a:blipFill dpi="0" rotWithShape="1">
+              <a:blip r:embed="rId44"/>
+              <a:srcRect/>
+              <a:tile tx="0" ty="0" sx="100000" sy="100000" flip="none" algn="tl"/>
+            </a:blipFill>
+            <a:ln>
+              <a:noFill/>
+            </a:ln>
+          </p:spPr>
+          <p:style>
+            <a:lnRef idx="2">
+              <a:schemeClr val="accent1">
+                <a:shade val="50000"/>
+              </a:schemeClr>
+            </a:lnRef>
+            <a:fillRef idx="1">
+              <a:schemeClr val="accent1"/>
+            </a:fillRef>
+            <a:effectRef idx="0">
+              <a:schemeClr val="accent1"/>
+            </a:effectRef>
+            <a:fontRef idx="minor">
+              <a:schemeClr val="lt1"/>
+            </a:fontRef>
+          </p:style>
+          <p:txBody>
+            <a:bodyPr rtlCol="0" anchor="ctr"/>
+            <a:lstStyle/>
+            <a:p>
+              <a:pPr algn="ctr"/>
+              <a:endParaRPr lang="de-DE"/>
+            </a:p>
+          </p:txBody>
+        </p:sp>
+        <p:sp>
+          <p:nvSpPr>
+            <p:cNvPr id="57" name="Rectangle 56">
+              <a:extLst>
+                <a:ext uri="{FF2B5EF4-FFF2-40B4-BE49-F238E27FC236}">
+                  <a16:creationId xmlns:a16="http://schemas.microsoft.com/office/drawing/2014/main" id="{62C0EC98-9493-4C7D-B912-30DFCB8EA1C5}"/>
+                </a:ext>
+              </a:extLst>
+            </p:cNvPr>
+            <p:cNvSpPr/>
+            <p:nvPr/>
+          </p:nvSpPr>
+          <p:spPr>
+            <a:xfrm>
+              <a:off x="977495" y="4191744"/>
+              <a:ext cx="1817615" cy="3495218"/>
+            </a:xfrm>
+            <a:prstGeom prst="rect">
+              <a:avLst/>
+            </a:prstGeom>
+            <a:blipFill dpi="0" rotWithShape="1">
+              <a:blip r:embed="rId44"/>
+              <a:srcRect/>
+              <a:tile tx="0" ty="0" sx="100000" sy="100000" flip="none" algn="tl"/>
+            </a:blipFill>
+            <a:ln>
+              <a:noFill/>
+            </a:ln>
+          </p:spPr>
+          <p:style>
+            <a:lnRef idx="2">
+              <a:schemeClr val="accent1">
+                <a:shade val="50000"/>
+              </a:schemeClr>
+            </a:lnRef>
+            <a:fillRef idx="1">
+              <a:schemeClr val="accent1"/>
+            </a:fillRef>
+            <a:effectRef idx="0">
+              <a:schemeClr val="accent1"/>
+            </a:effectRef>
+            <a:fontRef idx="minor">
+              <a:schemeClr val="lt1"/>
+            </a:fontRef>
+          </p:style>
+          <p:txBody>
+            <a:bodyPr rtlCol="0" anchor="ctr"/>
+            <a:lstStyle/>
+            <a:p>
+              <a:pPr algn="ctr"/>
+              <a:endParaRPr lang="de-DE"/>
+            </a:p>
+          </p:txBody>
+        </p:sp>
+        <p:sp>
+          <p:nvSpPr>
+            <p:cNvPr id="59" name="Rectangle 58">
+              <a:extLst>
+                <a:ext uri="{FF2B5EF4-FFF2-40B4-BE49-F238E27FC236}">
+                  <a16:creationId xmlns:a16="http://schemas.microsoft.com/office/drawing/2014/main" id="{521FFDDA-A2A3-45B0-AE05-25B21390C28F}"/>
+                </a:ext>
+              </a:extLst>
+            </p:cNvPr>
+            <p:cNvSpPr/>
+            <p:nvPr/>
+          </p:nvSpPr>
+          <p:spPr>
+            <a:xfrm>
+              <a:off x="982240" y="703417"/>
+              <a:ext cx="4747056" cy="6908933"/>
+            </a:xfrm>
+            <a:prstGeom prst="rect">
+              <a:avLst/>
+            </a:prstGeom>
+            <a:gradFill flip="none" rotWithShape="1">
+              <a:gsLst>
+                <a:gs pos="60000">
+                  <a:srgbClr val="000000">
+                    <a:alpha val="0"/>
+                  </a:srgbClr>
+                </a:gs>
+                <a:gs pos="40000">
+                  <a:srgbClr val="000000">
+                    <a:alpha val="0"/>
+                  </a:srgbClr>
+                </a:gs>
+                <a:gs pos="5000">
+                  <a:schemeClr val="tx1">
+                    <a:alpha val="10000"/>
+                  </a:schemeClr>
+                </a:gs>
+                <a:gs pos="100000">
+                  <a:schemeClr val="tx1">
+                    <a:alpha val="10000"/>
+                  </a:schemeClr>
+                </a:gs>
+              </a:gsLst>
+              <a:lin ang="0" scaled="1"/>
+              <a:tileRect/>
+            </a:gradFill>
+            <a:ln>
+              <a:noFill/>
+            </a:ln>
+          </p:spPr>
+          <p:style>
+            <a:lnRef idx="2">
+              <a:schemeClr val="accent1">
+                <a:shade val="50000"/>
+              </a:schemeClr>
+            </a:lnRef>
+            <a:fillRef idx="1">
+              <a:schemeClr val="accent1"/>
+            </a:fillRef>
+            <a:effectRef idx="0">
+              <a:schemeClr val="accent1"/>
+            </a:effectRef>
+            <a:fontRef idx="minor">
+              <a:schemeClr val="lt1"/>
+            </a:fontRef>
+          </p:style>
+          <p:txBody>
+            <a:bodyPr rtlCol="0" anchor="ctr"/>
+            <a:lstStyle/>
+            <a:p>
+              <a:pPr algn="ctr"/>
+              <a:endParaRPr lang="de-DE"/>
+            </a:p>
+          </p:txBody>
+        </p:sp>
+        <p:sp>
+          <p:nvSpPr>
+            <p:cNvPr id="67" name="Rectangle 66">
+              <a:extLst>
+                <a:ext uri="{FF2B5EF4-FFF2-40B4-BE49-F238E27FC236}">
+                  <a16:creationId xmlns:a16="http://schemas.microsoft.com/office/drawing/2014/main" id="{F723B459-E194-44DA-819E-7219A1FBE65B}"/>
+                </a:ext>
+              </a:extLst>
+            </p:cNvPr>
+            <p:cNvSpPr/>
+            <p:nvPr/>
+          </p:nvSpPr>
+          <p:spPr>
+            <a:xfrm>
+              <a:off x="3938538" y="696525"/>
+              <a:ext cx="1817615" cy="3495218"/>
+            </a:xfrm>
+            <a:prstGeom prst="rect">
+              <a:avLst/>
+            </a:prstGeom>
+            <a:blipFill dpi="0" rotWithShape="1">
+              <a:blip r:embed="rId44"/>
+              <a:srcRect/>
+              <a:tile tx="0" ty="0" sx="100000" sy="100000" flip="none" algn="tl"/>
+            </a:blipFill>
+            <a:ln>
+              <a:noFill/>
+            </a:ln>
+          </p:spPr>
+          <p:style>
+            <a:lnRef idx="2">
+              <a:schemeClr val="accent1">
+                <a:shade val="50000"/>
+              </a:schemeClr>
+            </a:lnRef>
+            <a:fillRef idx="1">
+              <a:schemeClr val="accent1"/>
+            </a:fillRef>
+            <a:effectRef idx="0">
+              <a:schemeClr val="accent1"/>
+            </a:effectRef>
+            <a:fontRef idx="minor">
+              <a:schemeClr val="lt1"/>
+            </a:fontRef>
+          </p:style>
+          <p:txBody>
+            <a:bodyPr rtlCol="0" anchor="ctr"/>
+            <a:lstStyle/>
+            <a:p>
+              <a:pPr algn="ctr"/>
+              <a:endParaRPr lang="de-DE"/>
+            </a:p>
+          </p:txBody>
+        </p:sp>
+        <p:sp>
+          <p:nvSpPr>
+            <p:cNvPr id="69" name="Rectangle 68">
+              <a:extLst>
+                <a:ext uri="{FF2B5EF4-FFF2-40B4-BE49-F238E27FC236}">
+                  <a16:creationId xmlns:a16="http://schemas.microsoft.com/office/drawing/2014/main" id="{6B82C84A-934A-4F46-B4AE-2CF8477AE6CC}"/>
+                </a:ext>
+              </a:extLst>
+            </p:cNvPr>
+            <p:cNvSpPr/>
+            <p:nvPr/>
+          </p:nvSpPr>
+          <p:spPr>
+            <a:xfrm>
+              <a:off x="3938538" y="4191744"/>
+              <a:ext cx="1817615" cy="3495218"/>
+            </a:xfrm>
+            <a:prstGeom prst="rect">
+              <a:avLst/>
+            </a:prstGeom>
+            <a:blipFill dpi="0" rotWithShape="1">
+              <a:blip r:embed="rId44"/>
+              <a:srcRect/>
+              <a:tile tx="0" ty="0" sx="100000" sy="100000" flip="none" algn="tl"/>
+            </a:blipFill>
+            <a:ln>
+              <a:noFill/>
+            </a:ln>
+          </p:spPr>
+          <p:style>
+            <a:lnRef idx="2">
+              <a:schemeClr val="accent1">
+                <a:shade val="50000"/>
+              </a:schemeClr>
+            </a:lnRef>
+            <a:fillRef idx="1">
+              <a:schemeClr val="accent1"/>
+            </a:fillRef>
+            <a:effectRef idx="0">
+              <a:schemeClr val="accent1"/>
+            </a:effectRef>
+            <a:fontRef idx="minor">
+              <a:schemeClr val="lt1"/>
+            </a:fontRef>
+          </p:style>
+          <p:txBody>
+            <a:bodyPr rtlCol="0" anchor="ctr"/>
+            <a:lstStyle/>
+            <a:p>
+              <a:pPr algn="ctr"/>
+              <a:endParaRPr lang="de-DE"/>
+            </a:p>
+          </p:txBody>
+        </p:sp>
+        <p:pic>
+          <p:nvPicPr>
+            <p:cNvPr id="70" name="Image 69">
+              <a:extLst>
+                <a:ext uri="{FF2B5EF4-FFF2-40B4-BE49-F238E27FC236}">
+                  <a16:creationId xmlns:a16="http://schemas.microsoft.com/office/drawing/2014/main" id="{2118046C-64CE-4D2B-8F24-479DD1D5CA27}"/>
+                </a:ext>
+              </a:extLst>
+            </p:cNvPr>
+            <p:cNvPicPr preferRelativeResize="0">
+              <a:picLocks/>
+            </p:cNvPicPr>
+            <p:nvPr/>
+          </p:nvPicPr>
+          <p:blipFill rotWithShape="1">
+            <a:blip r:embed="rId45">
+              <a:extLst>
+                <a:ext uri="{28A0092B-C50C-407E-A947-70E740481C1C}">
+                  <a14:useLocalDpi xmlns:a14="http://schemas.microsoft.com/office/drawing/2010/main" val="0"/>
+                </a:ext>
+              </a:extLst>
+            </a:blip>
+            <a:srcRect l="99753" t="6099" b="6"/>
+            <a:stretch/>
+          </p:blipFill>
+          <p:spPr>
+            <a:xfrm rot="16200000">
+              <a:off x="3317297" y="-1781379"/>
+              <a:ext cx="72000" cy="4896000"/>
+            </a:xfrm>
+            <a:prstGeom prst="rect">
+              <a:avLst/>
+            </a:prstGeom>
+          </p:spPr>
+        </p:pic>
+        <p:pic>
+          <p:nvPicPr>
+            <p:cNvPr id="71" name="Image 70">
+              <a:extLst>
+                <a:ext uri="{FF2B5EF4-FFF2-40B4-BE49-F238E27FC236}">
+                  <a16:creationId xmlns:a16="http://schemas.microsoft.com/office/drawing/2014/main" id="{CA986823-EC19-43F7-842A-4176919BDB3C}"/>
+                </a:ext>
+              </a:extLst>
+            </p:cNvPr>
+            <p:cNvPicPr preferRelativeResize="0">
+              <a:picLocks/>
+            </p:cNvPicPr>
+            <p:nvPr/>
+          </p:nvPicPr>
+          <p:blipFill rotWithShape="1">
+            <a:blip r:embed="rId45">
+              <a:extLst>
+                <a:ext uri="{28A0092B-C50C-407E-A947-70E740481C1C}">
+                  <a14:useLocalDpi xmlns:a14="http://schemas.microsoft.com/office/drawing/2010/main" val="0"/>
+                </a:ext>
+              </a:extLst>
+            </a:blip>
+            <a:srcRect l="99753" t="6099" b="6"/>
+            <a:stretch/>
+          </p:blipFill>
+          <p:spPr>
+            <a:xfrm rot="10800000">
+              <a:off x="5733583" y="628351"/>
+              <a:ext cx="72000" cy="7056000"/>
+            </a:xfrm>
+            <a:prstGeom prst="rect">
+              <a:avLst/>
+            </a:prstGeom>
+          </p:spPr>
+        </p:pic>
+        <p:pic>
+          <p:nvPicPr>
+            <p:cNvPr id="72" name="Image 71">
+              <a:extLst>
+                <a:ext uri="{FF2B5EF4-FFF2-40B4-BE49-F238E27FC236}">
+                  <a16:creationId xmlns:a16="http://schemas.microsoft.com/office/drawing/2014/main" id="{7A7A2609-BB25-4FF2-A4F9-67EF73BAAAFF}"/>
+                </a:ext>
+              </a:extLst>
+            </p:cNvPr>
+            <p:cNvPicPr preferRelativeResize="0">
+              <a:picLocks/>
+            </p:cNvPicPr>
+            <p:nvPr/>
+          </p:nvPicPr>
+          <p:blipFill rotWithShape="1">
+            <a:blip r:embed="rId45">
+              <a:extLst>
+                <a:ext uri="{28A0092B-C50C-407E-A947-70E740481C1C}">
+                  <a14:useLocalDpi xmlns:a14="http://schemas.microsoft.com/office/drawing/2010/main" val="0"/>
+                </a:ext>
+              </a:extLst>
+            </a:blip>
+            <a:srcRect l="99753" t="6099" b="6"/>
+            <a:stretch/>
+          </p:blipFill>
+          <p:spPr>
+            <a:xfrm rot="16200000">
+              <a:off x="3317859" y="5202919"/>
+              <a:ext cx="72000" cy="4896000"/>
+            </a:xfrm>
+            <a:prstGeom prst="rect">
+              <a:avLst/>
+            </a:prstGeom>
+          </p:spPr>
+        </p:pic>
+        <p:pic>
+          <p:nvPicPr>
+            <p:cNvPr id="73" name="Image 72">
+              <a:extLst>
+                <a:ext uri="{FF2B5EF4-FFF2-40B4-BE49-F238E27FC236}">
+                  <a16:creationId xmlns:a16="http://schemas.microsoft.com/office/drawing/2014/main" id="{C2D367AB-86DF-4E26-8F03-04D73D1127F0}"/>
+                </a:ext>
+              </a:extLst>
+            </p:cNvPr>
+            <p:cNvPicPr preferRelativeResize="0">
+              <a:picLocks/>
+            </p:cNvPicPr>
+            <p:nvPr/>
+          </p:nvPicPr>
+          <p:blipFill rotWithShape="1">
+            <a:blip r:embed="rId45">
+              <a:extLst>
+                <a:ext uri="{28A0092B-C50C-407E-A947-70E740481C1C}">
+                  <a14:useLocalDpi xmlns:a14="http://schemas.microsoft.com/office/drawing/2010/main" val="0"/>
+                </a:ext>
+              </a:extLst>
+            </a:blip>
+            <a:srcRect l="99753" t="6099" b="6"/>
+            <a:stretch/>
+          </p:blipFill>
+          <p:spPr>
+            <a:xfrm rot="10800000">
+              <a:off x="903137" y="629825"/>
+              <a:ext cx="72000" cy="7056000"/>
+            </a:xfrm>
+            <a:prstGeom prst="rect">
+              <a:avLst/>
+            </a:prstGeom>
+          </p:spPr>
+        </p:pic>
+      </p:grpSp>
     </p:spTree>
     <p:extLst>
       <p:ext uri="{BB962C8B-B14F-4D97-AF65-F5344CB8AC3E}">
